--- a/Portfolio/Session3.pptx
+++ b/Portfolio/Session3.pptx
@@ -110,6 +110,11 @@
       </a:defRPr>
     </a:lvl9pPr>
   </p:defaultTextStyle>
+  <p:extLst>
+    <p:ext uri="{EFAFB233-063F-42B5-8137-9DF3F51BA10A}">
+      <p15:sldGuideLst xmlns:p15="http://schemas.microsoft.com/office/powerpoint/2012/main"/>
+    </p:ext>
+  </p:extLst>
 </p:presentation>
 </file>
 
@@ -1995,6 +2000,13 @@
         </dgm:presLayoutVars>
       </dgm:prSet>
       <dgm:spPr/>
+      <dgm:t>
+        <a:bodyPr/>
+        <a:lstStyle/>
+        <a:p>
+          <a:endParaRPr lang="de-DE"/>
+        </a:p>
+      </dgm:t>
     </dgm:pt>
     <dgm:pt modelId="{A4D8C3E5-5ED9-4CB2-BFF0-6055BD7BB4D2}" type="pres">
       <dgm:prSet presAssocID="{68DCA58D-46B6-419F-AC80-FCA79AA006A7}" presName="linNode" presStyleCnt="0"/>
@@ -2008,6 +2020,13 @@
         </dgm:presLayoutVars>
       </dgm:prSet>
       <dgm:spPr/>
+      <dgm:t>
+        <a:bodyPr/>
+        <a:lstStyle/>
+        <a:p>
+          <a:endParaRPr lang="de-DE"/>
+        </a:p>
+      </dgm:t>
     </dgm:pt>
     <dgm:pt modelId="{A27A2466-C0CD-4172-A21F-FAF9A1256884}" type="pres">
       <dgm:prSet presAssocID="{68DCA58D-46B6-419F-AC80-FCA79AA006A7}" presName="descendantText" presStyleLbl="alignAccFollowNode1" presStyleIdx="0" presStyleCnt="5">
@@ -2016,6 +2035,13 @@
         </dgm:presLayoutVars>
       </dgm:prSet>
       <dgm:spPr/>
+      <dgm:t>
+        <a:bodyPr/>
+        <a:lstStyle/>
+        <a:p>
+          <a:endParaRPr lang="de-DE"/>
+        </a:p>
+      </dgm:t>
     </dgm:pt>
     <dgm:pt modelId="{C07C928F-11D9-4428-A4D1-ED495FA631FA}" type="pres">
       <dgm:prSet presAssocID="{1D1126B8-3D10-4DA4-8350-88F8C449913E}" presName="sp" presStyleCnt="0"/>
@@ -2033,6 +2059,13 @@
         </dgm:presLayoutVars>
       </dgm:prSet>
       <dgm:spPr/>
+      <dgm:t>
+        <a:bodyPr/>
+        <a:lstStyle/>
+        <a:p>
+          <a:endParaRPr lang="de-DE"/>
+        </a:p>
+      </dgm:t>
     </dgm:pt>
     <dgm:pt modelId="{5463E8B4-D96D-427C-84CD-E3C6DCF3BBB6}" type="pres">
       <dgm:prSet presAssocID="{44E3CFC0-14D7-4F50-A6F6-6F6EA2125F0D}" presName="descendantText" presStyleLbl="alignAccFollowNode1" presStyleIdx="1" presStyleCnt="5">
@@ -2041,6 +2074,13 @@
         </dgm:presLayoutVars>
       </dgm:prSet>
       <dgm:spPr/>
+      <dgm:t>
+        <a:bodyPr/>
+        <a:lstStyle/>
+        <a:p>
+          <a:endParaRPr lang="de-DE"/>
+        </a:p>
+      </dgm:t>
     </dgm:pt>
     <dgm:pt modelId="{CF73E918-AAD4-450F-AD46-E6C0CF6240D8}" type="pres">
       <dgm:prSet presAssocID="{55F5F775-1545-49E3-B5EB-C769BF05EE87}" presName="sp" presStyleCnt="0"/>
@@ -2058,6 +2098,13 @@
         </dgm:presLayoutVars>
       </dgm:prSet>
       <dgm:spPr/>
+      <dgm:t>
+        <a:bodyPr/>
+        <a:lstStyle/>
+        <a:p>
+          <a:endParaRPr lang="de-DE"/>
+        </a:p>
+      </dgm:t>
     </dgm:pt>
     <dgm:pt modelId="{EF3A411A-9E10-4C4E-9ED8-8460B4A4DCE5}" type="pres">
       <dgm:prSet presAssocID="{56819E7B-51C3-4EAC-81B7-B49C85AD34C1}" presName="descendantText" presStyleLbl="alignAccFollowNode1" presStyleIdx="2" presStyleCnt="5">
@@ -2066,6 +2113,13 @@
         </dgm:presLayoutVars>
       </dgm:prSet>
       <dgm:spPr/>
+      <dgm:t>
+        <a:bodyPr/>
+        <a:lstStyle/>
+        <a:p>
+          <a:endParaRPr lang="de-DE"/>
+        </a:p>
+      </dgm:t>
     </dgm:pt>
     <dgm:pt modelId="{D55AA855-21BF-427D-82C9-54F30114DA97}" type="pres">
       <dgm:prSet presAssocID="{4FCAF1EC-EF0F-4895-90BE-EFBF36BBCBF2}" presName="sp" presStyleCnt="0"/>
@@ -2083,6 +2137,13 @@
         </dgm:presLayoutVars>
       </dgm:prSet>
       <dgm:spPr/>
+      <dgm:t>
+        <a:bodyPr/>
+        <a:lstStyle/>
+        <a:p>
+          <a:endParaRPr lang="de-DE"/>
+        </a:p>
+      </dgm:t>
     </dgm:pt>
     <dgm:pt modelId="{4F720EDD-2D4F-4D4E-9248-4554355F1A14}" type="pres">
       <dgm:prSet presAssocID="{3595BD85-2289-4AD3-8846-EF7A610D92C0}" presName="descendantText" presStyleLbl="alignAccFollowNode1" presStyleIdx="3" presStyleCnt="5">
@@ -2091,6 +2152,13 @@
         </dgm:presLayoutVars>
       </dgm:prSet>
       <dgm:spPr/>
+      <dgm:t>
+        <a:bodyPr/>
+        <a:lstStyle/>
+        <a:p>
+          <a:endParaRPr lang="de-DE"/>
+        </a:p>
+      </dgm:t>
     </dgm:pt>
     <dgm:pt modelId="{1040B72C-441F-4928-A016-0AB43298C358}" type="pres">
       <dgm:prSet presAssocID="{4F3BB3A4-911F-408F-B191-09BF2EFAF699}" presName="sp" presStyleCnt="0"/>
@@ -2108,6 +2176,13 @@
         </dgm:presLayoutVars>
       </dgm:prSet>
       <dgm:spPr/>
+      <dgm:t>
+        <a:bodyPr/>
+        <a:lstStyle/>
+        <a:p>
+          <a:endParaRPr lang="de-DE"/>
+        </a:p>
+      </dgm:t>
     </dgm:pt>
     <dgm:pt modelId="{58794C76-8F91-40BD-9E21-6690A8134985}" type="pres">
       <dgm:prSet presAssocID="{BEABCAF8-749B-490C-A948-8C4A091BAB58}" presName="descendantText" presStyleLbl="alignAccFollowNode1" presStyleIdx="4" presStyleCnt="5">
@@ -2116,30 +2191,37 @@
         </dgm:presLayoutVars>
       </dgm:prSet>
       <dgm:spPr/>
+      <dgm:t>
+        <a:bodyPr/>
+        <a:lstStyle/>
+        <a:p>
+          <a:endParaRPr lang="de-DE"/>
+        </a:p>
+      </dgm:t>
     </dgm:pt>
   </dgm:ptLst>
   <dgm:cxnLst>
+    <dgm:cxn modelId="{385D0FEC-8107-4768-88E0-ED2DECB19AF3}" type="presOf" srcId="{E886AE2B-0274-4628-9532-43352EB7E6D4}" destId="{5463E8B4-D96D-427C-84CD-E3C6DCF3BBB6}" srcOrd="0" destOrd="0" presId="urn:microsoft.com/office/officeart/2005/8/layout/vList5"/>
+    <dgm:cxn modelId="{FB7A652F-4641-4843-A9A3-071CA8014082}" type="presOf" srcId="{68DCA58D-46B6-419F-AC80-FCA79AA006A7}" destId="{DA2C3FB6-2DE2-41BB-83BD-5241A8A7A3E5}" srcOrd="0" destOrd="0" presId="urn:microsoft.com/office/officeart/2005/8/layout/vList5"/>
     <dgm:cxn modelId="{08697FA2-ED35-46B9-9F78-D48C11929856}" srcId="{622C73A3-C0F2-445D-9F7F-02DCCB0F953E}" destId="{68DCA58D-46B6-419F-AC80-FCA79AA006A7}" srcOrd="0" destOrd="0" parTransId="{C5660B6B-7E01-49E0-A3BA-25FA0241538F}" sibTransId="{1D1126B8-3D10-4DA4-8350-88F8C449913E}"/>
+    <dgm:cxn modelId="{F349B1A6-A74D-4171-A573-395A57D870E9}" srcId="{68DCA58D-46B6-419F-AC80-FCA79AA006A7}" destId="{1AA5D197-CB4C-4AB0-B6DC-5EF48B7AA2E9}" srcOrd="0" destOrd="0" parTransId="{267FE7F6-D2A5-4421-8D18-3D48B18F04A8}" sibTransId="{E04BC210-715C-43C0-960B-E4C3A0C1E997}"/>
+    <dgm:cxn modelId="{A1DB7204-4E21-4211-BABF-B81270798943}" type="presOf" srcId="{56819E7B-51C3-4EAC-81B7-B49C85AD34C1}" destId="{1C9B43FF-F62E-46FF-AC84-07C99CBC5012}" srcOrd="0" destOrd="0" presId="urn:microsoft.com/office/officeart/2005/8/layout/vList5"/>
+    <dgm:cxn modelId="{B6E5EEFC-CE09-4418-834D-93D6E2362A98}" srcId="{622C73A3-C0F2-445D-9F7F-02DCCB0F953E}" destId="{44E3CFC0-14D7-4F50-A6F6-6F6EA2125F0D}" srcOrd="1" destOrd="0" parTransId="{E343C445-666C-474F-97E2-2012BC89D48C}" sibTransId="{55F5F775-1545-49E3-B5EB-C769BF05EE87}"/>
+    <dgm:cxn modelId="{2FA74F5C-1ACF-4516-9388-C4E20A7EAD2A}" srcId="{44E3CFC0-14D7-4F50-A6F6-6F6EA2125F0D}" destId="{E886AE2B-0274-4628-9532-43352EB7E6D4}" srcOrd="0" destOrd="0" parTransId="{D95DC605-5030-4FB8-B3AA-A0D63B6328EA}" sibTransId="{EE228030-ABBA-403A-9CDD-E6338432597C}"/>
+    <dgm:cxn modelId="{DA1D9D69-86C1-4358-9EBC-A967F67BF9A1}" type="presOf" srcId="{44E3CFC0-14D7-4F50-A6F6-6F6EA2125F0D}" destId="{302B420F-FBAC-43F0-A9C6-773DD04DC3A7}" srcOrd="0" destOrd="0" presId="urn:microsoft.com/office/officeart/2005/8/layout/vList5"/>
+    <dgm:cxn modelId="{E40CAE73-5C4B-4D01-8CD0-777F80D7C404}" type="presOf" srcId="{816D2E69-0662-43CF-B4A7-49826262D130}" destId="{EF3A411A-9E10-4C4E-9ED8-8460B4A4DCE5}" srcOrd="0" destOrd="0" presId="urn:microsoft.com/office/officeart/2005/8/layout/vList5"/>
+    <dgm:cxn modelId="{D5F21E79-287E-47BD-8828-51A1DBA1ED08}" type="presOf" srcId="{1F755D95-D3F1-40C3-A4EC-75B6CAA07766}" destId="{58794C76-8F91-40BD-9E21-6690A8134985}" srcOrd="0" destOrd="0" presId="urn:microsoft.com/office/officeart/2005/8/layout/vList5"/>
+    <dgm:cxn modelId="{01940834-DECA-49E0-8FBB-05CE30B5095C}" srcId="{56819E7B-51C3-4EAC-81B7-B49C85AD34C1}" destId="{816D2E69-0662-43CF-B4A7-49826262D130}" srcOrd="0" destOrd="0" parTransId="{AFACDA1A-8B69-4927-866B-26C70BD6F4D4}" sibTransId="{4B3CDD27-8913-411C-A587-ECA861A6F060}"/>
+    <dgm:cxn modelId="{8A9DBCB7-1F7C-4DB7-BC03-D650CC43D21D}" srcId="{622C73A3-C0F2-445D-9F7F-02DCCB0F953E}" destId="{56819E7B-51C3-4EAC-81B7-B49C85AD34C1}" srcOrd="2" destOrd="0" parTransId="{81E635F6-20AA-4AF4-9BAF-E5441D610C9F}" sibTransId="{4FCAF1EC-EF0F-4895-90BE-EFBF36BBCBF2}"/>
+    <dgm:cxn modelId="{727E7842-271E-43E5-A3E3-096D1B11ACAA}" type="presOf" srcId="{622C73A3-C0F2-445D-9F7F-02DCCB0F953E}" destId="{421AA0E9-0C11-41F0-BC7D-5800D1EFB138}" srcOrd="0" destOrd="0" presId="urn:microsoft.com/office/officeart/2005/8/layout/vList5"/>
+    <dgm:cxn modelId="{4DA4E15E-56A0-44F3-8471-8630EA7641B9}" type="presOf" srcId="{3595BD85-2289-4AD3-8846-EF7A610D92C0}" destId="{73B86321-2FAD-4B5F-8DCA-5B9650D3B5BD}" srcOrd="0" destOrd="0" presId="urn:microsoft.com/office/officeart/2005/8/layout/vList5"/>
+    <dgm:cxn modelId="{53E5D9FE-D229-49FE-9EC4-EF4963984191}" srcId="{622C73A3-C0F2-445D-9F7F-02DCCB0F953E}" destId="{BEABCAF8-749B-490C-A948-8C4A091BAB58}" srcOrd="4" destOrd="0" parTransId="{71F7372D-800F-4D7C-A71F-68E655FC6B9B}" sibTransId="{08F197EB-BEE2-4927-B59D-E33B427C7C03}"/>
+    <dgm:cxn modelId="{863C8B6B-189D-4350-9F54-78962CC3E6B2}" srcId="{BEABCAF8-749B-490C-A948-8C4A091BAB58}" destId="{1F755D95-D3F1-40C3-A4EC-75B6CAA07766}" srcOrd="0" destOrd="0" parTransId="{731AF095-6E3E-40C1-A3C9-08BE4BB16AB8}" sibTransId="{D2BB8DC7-856B-401D-8565-61859E2276F3}"/>
+    <dgm:cxn modelId="{F125E77A-A258-4522-968A-49D3877FFDDE}" srcId="{3595BD85-2289-4AD3-8846-EF7A610D92C0}" destId="{3F2BE31E-5939-4A94-918E-884946207B59}" srcOrd="0" destOrd="0" parTransId="{7647C289-B276-4FDC-B349-336C7C306C57}" sibTransId="{E6D1AAE7-5D8F-40F8-9E8A-BA0808AFD280}"/>
+    <dgm:cxn modelId="{8A93434E-F6E0-4DAB-BD46-FC99AAFD49D3}" type="presOf" srcId="{BEABCAF8-749B-490C-A948-8C4A091BAB58}" destId="{B4BA16A1-2764-4D89-968F-0217443D146E}" srcOrd="0" destOrd="0" presId="urn:microsoft.com/office/officeart/2005/8/layout/vList5"/>
     <dgm:cxn modelId="{1519E9B2-3BD4-49F4-9001-4591FEE4A8DC}" type="presOf" srcId="{1AA5D197-CB4C-4AB0-B6DC-5EF48B7AA2E9}" destId="{A27A2466-C0CD-4172-A21F-FAF9A1256884}" srcOrd="0" destOrd="0" presId="urn:microsoft.com/office/officeart/2005/8/layout/vList5"/>
-    <dgm:cxn modelId="{D5F21E79-287E-47BD-8828-51A1DBA1ED08}" type="presOf" srcId="{1F755D95-D3F1-40C3-A4EC-75B6CAA07766}" destId="{58794C76-8F91-40BD-9E21-6690A8134985}" srcOrd="0" destOrd="0" presId="urn:microsoft.com/office/officeart/2005/8/layout/vList5"/>
-    <dgm:cxn modelId="{727E7842-271E-43E5-A3E3-096D1B11ACAA}" type="presOf" srcId="{622C73A3-C0F2-445D-9F7F-02DCCB0F953E}" destId="{421AA0E9-0C11-41F0-BC7D-5800D1EFB138}" srcOrd="0" destOrd="0" presId="urn:microsoft.com/office/officeart/2005/8/layout/vList5"/>
+    <dgm:cxn modelId="{E9281AEF-9761-462B-BB64-8D2BE679EEA8}" type="presOf" srcId="{3F2BE31E-5939-4A94-918E-884946207B59}" destId="{4F720EDD-2D4F-4D4E-9248-4554355F1A14}" srcOrd="0" destOrd="0" presId="urn:microsoft.com/office/officeart/2005/8/layout/vList5"/>
     <dgm:cxn modelId="{359A1E1E-190E-41F4-BD21-EEDBE0CC1FA2}" srcId="{622C73A3-C0F2-445D-9F7F-02DCCB0F953E}" destId="{3595BD85-2289-4AD3-8846-EF7A610D92C0}" srcOrd="3" destOrd="0" parTransId="{84EA666F-43BC-4DB1-88FF-5B0F2D5B796A}" sibTransId="{4F3BB3A4-911F-408F-B191-09BF2EFAF699}"/>
-    <dgm:cxn modelId="{FB7A652F-4641-4843-A9A3-071CA8014082}" type="presOf" srcId="{68DCA58D-46B6-419F-AC80-FCA79AA006A7}" destId="{DA2C3FB6-2DE2-41BB-83BD-5241A8A7A3E5}" srcOrd="0" destOrd="0" presId="urn:microsoft.com/office/officeart/2005/8/layout/vList5"/>
-    <dgm:cxn modelId="{8A9DBCB7-1F7C-4DB7-BC03-D650CC43D21D}" srcId="{622C73A3-C0F2-445D-9F7F-02DCCB0F953E}" destId="{56819E7B-51C3-4EAC-81B7-B49C85AD34C1}" srcOrd="2" destOrd="0" parTransId="{81E635F6-20AA-4AF4-9BAF-E5441D610C9F}" sibTransId="{4FCAF1EC-EF0F-4895-90BE-EFBF36BBCBF2}"/>
-    <dgm:cxn modelId="{DA1D9D69-86C1-4358-9EBC-A967F67BF9A1}" type="presOf" srcId="{44E3CFC0-14D7-4F50-A6F6-6F6EA2125F0D}" destId="{302B420F-FBAC-43F0-A9C6-773DD04DC3A7}" srcOrd="0" destOrd="0" presId="urn:microsoft.com/office/officeart/2005/8/layout/vList5"/>
-    <dgm:cxn modelId="{F125E77A-A258-4522-968A-49D3877FFDDE}" srcId="{3595BD85-2289-4AD3-8846-EF7A610D92C0}" destId="{3F2BE31E-5939-4A94-918E-884946207B59}" srcOrd="0" destOrd="0" parTransId="{7647C289-B276-4FDC-B349-336C7C306C57}" sibTransId="{E6D1AAE7-5D8F-40F8-9E8A-BA0808AFD280}"/>
-    <dgm:cxn modelId="{B6E5EEFC-CE09-4418-834D-93D6E2362A98}" srcId="{622C73A3-C0F2-445D-9F7F-02DCCB0F953E}" destId="{44E3CFC0-14D7-4F50-A6F6-6F6EA2125F0D}" srcOrd="1" destOrd="0" parTransId="{E343C445-666C-474F-97E2-2012BC89D48C}" sibTransId="{55F5F775-1545-49E3-B5EB-C769BF05EE87}"/>
-    <dgm:cxn modelId="{385D0FEC-8107-4768-88E0-ED2DECB19AF3}" type="presOf" srcId="{E886AE2B-0274-4628-9532-43352EB7E6D4}" destId="{5463E8B4-D96D-427C-84CD-E3C6DCF3BBB6}" srcOrd="0" destOrd="0" presId="urn:microsoft.com/office/officeart/2005/8/layout/vList5"/>
-    <dgm:cxn modelId="{53E5D9FE-D229-49FE-9EC4-EF4963984191}" srcId="{622C73A3-C0F2-445D-9F7F-02DCCB0F953E}" destId="{BEABCAF8-749B-490C-A948-8C4A091BAB58}" srcOrd="4" destOrd="0" parTransId="{71F7372D-800F-4D7C-A71F-68E655FC6B9B}" sibTransId="{08F197EB-BEE2-4927-B59D-E33B427C7C03}"/>
-    <dgm:cxn modelId="{F349B1A6-A74D-4171-A573-395A57D870E9}" srcId="{68DCA58D-46B6-419F-AC80-FCA79AA006A7}" destId="{1AA5D197-CB4C-4AB0-B6DC-5EF48B7AA2E9}" srcOrd="0" destOrd="0" parTransId="{267FE7F6-D2A5-4421-8D18-3D48B18F04A8}" sibTransId="{E04BC210-715C-43C0-960B-E4C3A0C1E997}"/>
-    <dgm:cxn modelId="{E9281AEF-9761-462B-BB64-8D2BE679EEA8}" type="presOf" srcId="{3F2BE31E-5939-4A94-918E-884946207B59}" destId="{4F720EDD-2D4F-4D4E-9248-4554355F1A14}" srcOrd="0" destOrd="0" presId="urn:microsoft.com/office/officeart/2005/8/layout/vList5"/>
-    <dgm:cxn modelId="{01940834-DECA-49E0-8FBB-05CE30B5095C}" srcId="{56819E7B-51C3-4EAC-81B7-B49C85AD34C1}" destId="{816D2E69-0662-43CF-B4A7-49826262D130}" srcOrd="0" destOrd="0" parTransId="{AFACDA1A-8B69-4927-866B-26C70BD6F4D4}" sibTransId="{4B3CDD27-8913-411C-A587-ECA861A6F060}"/>
-    <dgm:cxn modelId="{863C8B6B-189D-4350-9F54-78962CC3E6B2}" srcId="{BEABCAF8-749B-490C-A948-8C4A091BAB58}" destId="{1F755D95-D3F1-40C3-A4EC-75B6CAA07766}" srcOrd="0" destOrd="0" parTransId="{731AF095-6E3E-40C1-A3C9-08BE4BB16AB8}" sibTransId="{D2BB8DC7-856B-401D-8565-61859E2276F3}"/>
-    <dgm:cxn modelId="{4DA4E15E-56A0-44F3-8471-8630EA7641B9}" type="presOf" srcId="{3595BD85-2289-4AD3-8846-EF7A610D92C0}" destId="{73B86321-2FAD-4B5F-8DCA-5B9650D3B5BD}" srcOrd="0" destOrd="0" presId="urn:microsoft.com/office/officeart/2005/8/layout/vList5"/>
-    <dgm:cxn modelId="{8A93434E-F6E0-4DAB-BD46-FC99AAFD49D3}" type="presOf" srcId="{BEABCAF8-749B-490C-A948-8C4A091BAB58}" destId="{B4BA16A1-2764-4D89-968F-0217443D146E}" srcOrd="0" destOrd="0" presId="urn:microsoft.com/office/officeart/2005/8/layout/vList5"/>
-    <dgm:cxn modelId="{2FA74F5C-1ACF-4516-9388-C4E20A7EAD2A}" srcId="{44E3CFC0-14D7-4F50-A6F6-6F6EA2125F0D}" destId="{E886AE2B-0274-4628-9532-43352EB7E6D4}" srcOrd="0" destOrd="0" parTransId="{D95DC605-5030-4FB8-B3AA-A0D63B6328EA}" sibTransId="{EE228030-ABBA-403A-9CDD-E6338432597C}"/>
-    <dgm:cxn modelId="{A1DB7204-4E21-4211-BABF-B81270798943}" type="presOf" srcId="{56819E7B-51C3-4EAC-81B7-B49C85AD34C1}" destId="{1C9B43FF-F62E-46FF-AC84-07C99CBC5012}" srcOrd="0" destOrd="0" presId="urn:microsoft.com/office/officeart/2005/8/layout/vList5"/>
-    <dgm:cxn modelId="{E40CAE73-5C4B-4D01-8CD0-777F80D7C404}" type="presOf" srcId="{816D2E69-0662-43CF-B4A7-49826262D130}" destId="{EF3A411A-9E10-4C4E-9ED8-8460B4A4DCE5}" srcOrd="0" destOrd="0" presId="urn:microsoft.com/office/officeart/2005/8/layout/vList5"/>
     <dgm:cxn modelId="{0BEFA626-1179-4954-86E4-93CA12BC3D80}" type="presParOf" srcId="{421AA0E9-0C11-41F0-BC7D-5800D1EFB138}" destId="{A4D8C3E5-5ED9-4CB2-BFF0-6055BD7BB4D2}" srcOrd="0" destOrd="0" presId="urn:microsoft.com/office/officeart/2005/8/layout/vList5"/>
     <dgm:cxn modelId="{3EA2C86F-08F0-478E-838E-39E6BC4D31C3}" type="presParOf" srcId="{A4D8C3E5-5ED9-4CB2-BFF0-6055BD7BB4D2}" destId="{DA2C3FB6-2DE2-41BB-83BD-5241A8A7A3E5}" srcOrd="0" destOrd="0" presId="urn:microsoft.com/office/officeart/2005/8/layout/vList5"/>
     <dgm:cxn modelId="{56E5129A-BA12-41F4-B3D4-A3F192008841}" type="presParOf" srcId="{A4D8C3E5-5ED9-4CB2-BFF0-6055BD7BB4D2}" destId="{A27A2466-C0CD-4172-A21F-FAF9A1256884}" srcOrd="1" destOrd="0" presId="urn:microsoft.com/office/officeart/2005/8/layout/vList5"/>
@@ -2733,6 +2815,13 @@
         </dgm:presLayoutVars>
       </dgm:prSet>
       <dgm:spPr/>
+      <dgm:t>
+        <a:bodyPr/>
+        <a:lstStyle/>
+        <a:p>
+          <a:endParaRPr lang="de-DE"/>
+        </a:p>
+      </dgm:t>
     </dgm:pt>
     <dgm:pt modelId="{BCD57D49-363C-474E-A79E-7DA3EFAA890F}" type="pres">
       <dgm:prSet presAssocID="{792669A1-DC52-4225-8A9C-40501A9894FF}" presName="linNode" presStyleCnt="0"/>
@@ -2746,6 +2835,13 @@
         </dgm:presLayoutVars>
       </dgm:prSet>
       <dgm:spPr/>
+      <dgm:t>
+        <a:bodyPr/>
+        <a:lstStyle/>
+        <a:p>
+          <a:endParaRPr lang="de-DE"/>
+        </a:p>
+      </dgm:t>
     </dgm:pt>
     <dgm:pt modelId="{6A5A252B-AF76-41D0-B642-E684A646DDE3}" type="pres">
       <dgm:prSet presAssocID="{792669A1-DC52-4225-8A9C-40501A9894FF}" presName="descendantText" presStyleLbl="alignAccFollowNode1" presStyleIdx="0" presStyleCnt="5">
@@ -2754,6 +2850,13 @@
         </dgm:presLayoutVars>
       </dgm:prSet>
       <dgm:spPr/>
+      <dgm:t>
+        <a:bodyPr/>
+        <a:lstStyle/>
+        <a:p>
+          <a:endParaRPr lang="de-DE"/>
+        </a:p>
+      </dgm:t>
     </dgm:pt>
     <dgm:pt modelId="{788A0BAF-CD42-43C3-9196-A8F2D3CBD353}" type="pres">
       <dgm:prSet presAssocID="{890A803D-8DC1-4563-98BB-CDCC0D8EC93F}" presName="sp" presStyleCnt="0"/>
@@ -2771,6 +2874,13 @@
         </dgm:presLayoutVars>
       </dgm:prSet>
       <dgm:spPr/>
+      <dgm:t>
+        <a:bodyPr/>
+        <a:lstStyle/>
+        <a:p>
+          <a:endParaRPr lang="de-DE"/>
+        </a:p>
+      </dgm:t>
     </dgm:pt>
     <dgm:pt modelId="{253FB28F-D69E-4CAA-9E1D-905EE730B7F2}" type="pres">
       <dgm:prSet presAssocID="{AC6D4063-0053-47C2-BD9B-5D259FF77C01}" presName="descendantText" presStyleLbl="alignAccFollowNode1" presStyleIdx="1" presStyleCnt="5">
@@ -2779,6 +2889,13 @@
         </dgm:presLayoutVars>
       </dgm:prSet>
       <dgm:spPr/>
+      <dgm:t>
+        <a:bodyPr/>
+        <a:lstStyle/>
+        <a:p>
+          <a:endParaRPr lang="de-DE"/>
+        </a:p>
+      </dgm:t>
     </dgm:pt>
     <dgm:pt modelId="{B2EBE0A8-AE4C-4BF5-BFF8-1489EA7239D8}" type="pres">
       <dgm:prSet presAssocID="{35EC904C-B00E-4D70-8762-6E619D9A6E79}" presName="sp" presStyleCnt="0"/>
@@ -2796,6 +2913,13 @@
         </dgm:presLayoutVars>
       </dgm:prSet>
       <dgm:spPr/>
+      <dgm:t>
+        <a:bodyPr/>
+        <a:lstStyle/>
+        <a:p>
+          <a:endParaRPr lang="de-DE"/>
+        </a:p>
+      </dgm:t>
     </dgm:pt>
     <dgm:pt modelId="{5F01AD72-B23F-40C3-8684-0E7E40AA7315}" type="pres">
       <dgm:prSet presAssocID="{33C169A9-C186-41E8-B2F4-0B4838577C9E}" presName="descendantText" presStyleLbl="alignAccFollowNode1" presStyleIdx="2" presStyleCnt="5">
@@ -2804,6 +2928,13 @@
         </dgm:presLayoutVars>
       </dgm:prSet>
       <dgm:spPr/>
+      <dgm:t>
+        <a:bodyPr/>
+        <a:lstStyle/>
+        <a:p>
+          <a:endParaRPr lang="de-DE"/>
+        </a:p>
+      </dgm:t>
     </dgm:pt>
     <dgm:pt modelId="{C17CF9A1-0C4B-4023-A8DE-30E8C9F70EFE}" type="pres">
       <dgm:prSet presAssocID="{8618A361-47FE-4DBE-943E-33DA7DAB96FA}" presName="sp" presStyleCnt="0"/>
@@ -2821,6 +2952,13 @@
         </dgm:presLayoutVars>
       </dgm:prSet>
       <dgm:spPr/>
+      <dgm:t>
+        <a:bodyPr/>
+        <a:lstStyle/>
+        <a:p>
+          <a:endParaRPr lang="de-DE"/>
+        </a:p>
+      </dgm:t>
     </dgm:pt>
     <dgm:pt modelId="{F073906F-49E2-4933-9B4D-EC9AC4D1FDDE}" type="pres">
       <dgm:prSet presAssocID="{51673767-B749-4A45-B9BB-73DCCC91F57F}" presName="descendantText" presStyleLbl="alignAccFollowNode1" presStyleIdx="3" presStyleCnt="5">
@@ -2829,6 +2967,13 @@
         </dgm:presLayoutVars>
       </dgm:prSet>
       <dgm:spPr/>
+      <dgm:t>
+        <a:bodyPr/>
+        <a:lstStyle/>
+        <a:p>
+          <a:endParaRPr lang="de-DE"/>
+        </a:p>
+      </dgm:t>
     </dgm:pt>
     <dgm:pt modelId="{EF482467-DC25-4440-AAAB-A856CC9DB158}" type="pres">
       <dgm:prSet presAssocID="{B3720E21-8CE7-40CB-B3F4-9666017BDC65}" presName="sp" presStyleCnt="0"/>
@@ -2846,6 +2991,13 @@
         </dgm:presLayoutVars>
       </dgm:prSet>
       <dgm:spPr/>
+      <dgm:t>
+        <a:bodyPr/>
+        <a:lstStyle/>
+        <a:p>
+          <a:endParaRPr lang="de-DE"/>
+        </a:p>
+      </dgm:t>
     </dgm:pt>
     <dgm:pt modelId="{C8371283-6EEE-4D8F-AAA3-1999B3B89DE9}" type="pres">
       <dgm:prSet presAssocID="{BDBF02C4-DA9C-41EA-AF13-2D31DAFA67AD}" presName="descendantText" presStyleLbl="alignAccFollowNode1" presStyleIdx="4" presStyleCnt="5">
@@ -2854,6 +3006,13 @@
         </dgm:presLayoutVars>
       </dgm:prSet>
       <dgm:spPr/>
+      <dgm:t>
+        <a:bodyPr/>
+        <a:lstStyle/>
+        <a:p>
+          <a:endParaRPr lang="de-DE"/>
+        </a:p>
+      </dgm:t>
     </dgm:pt>
   </dgm:ptLst>
   <dgm:cxnLst>
@@ -2875,8 +3034,8 @@
     <dgm:cxn modelId="{4EB78B96-63C9-4333-8E6E-41C9DB4A2D2B}" type="presOf" srcId="{F7250206-FD98-4542-B7B1-50DA1342A4E2}" destId="{253FB28F-D69E-4CAA-9E1D-905EE730B7F2}" srcOrd="0" destOrd="1" presId="urn:microsoft.com/office/officeart/2005/8/layout/vList5"/>
     <dgm:cxn modelId="{F44DB5B5-9BC6-49B9-865D-8B0DE9AFC6BC}" type="presOf" srcId="{BDBF02C4-DA9C-41EA-AF13-2D31DAFA67AD}" destId="{93FBF39B-2321-410A-B67A-F1CE734111F8}" srcOrd="0" destOrd="0" presId="urn:microsoft.com/office/officeart/2005/8/layout/vList5"/>
     <dgm:cxn modelId="{CF598FA5-A1E3-4647-A904-26C90642DECA}" srcId="{3C68F335-CAAD-43CE-8B72-DCE5BE7B8F49}" destId="{51673767-B749-4A45-B9BB-73DCCC91F57F}" srcOrd="3" destOrd="0" parTransId="{95A81994-7BBE-4314-835A-054CFBAD7CA0}" sibTransId="{B3720E21-8CE7-40CB-B3F4-9666017BDC65}"/>
+    <dgm:cxn modelId="{1F1DC9FB-87B2-45E3-9457-400280D91C72}" type="presOf" srcId="{D86999FA-5517-4C8B-8BB9-0995F13E0156}" destId="{F073906F-49E2-4933-9B4D-EC9AC4D1FDDE}" srcOrd="0" destOrd="0" presId="urn:microsoft.com/office/officeart/2005/8/layout/vList5"/>
     <dgm:cxn modelId="{E70244CA-D36D-4F34-8F27-3DE38D4095E0}" srcId="{33C169A9-C186-41E8-B2F4-0B4838577C9E}" destId="{E8D02A0A-CB94-4098-9CE5-BD51C727B04F}" srcOrd="0" destOrd="0" parTransId="{F11C6F45-57DC-49F7-BC7D-6ED424E0BDAA}" sibTransId="{6D70B7A6-7E34-4B87-9E1C-24873772EDB3}"/>
-    <dgm:cxn modelId="{1F1DC9FB-87B2-45E3-9457-400280D91C72}" type="presOf" srcId="{D86999FA-5517-4C8B-8BB9-0995F13E0156}" destId="{F073906F-49E2-4933-9B4D-EC9AC4D1FDDE}" srcOrd="0" destOrd="0" presId="urn:microsoft.com/office/officeart/2005/8/layout/vList5"/>
     <dgm:cxn modelId="{ACF1E79F-290A-4E59-845D-DC59F0506A7E}" srcId="{BDBF02C4-DA9C-41EA-AF13-2D31DAFA67AD}" destId="{FA1D0957-3141-4398-9EE6-8D167CFEBF0A}" srcOrd="1" destOrd="0" parTransId="{9BD01D85-040F-4568-9934-D5A0C7143A33}" sibTransId="{8339CED4-5815-4B8D-8FE6-A35A15632454}"/>
     <dgm:cxn modelId="{0DFD5811-81C8-459E-BF09-AB6657EA71D4}" type="presOf" srcId="{FA1D0957-3141-4398-9EE6-8D167CFEBF0A}" destId="{C8371283-6EEE-4D8F-AAA3-1999B3B89DE9}" srcOrd="0" destOrd="1" presId="urn:microsoft.com/office/officeart/2005/8/layout/vList5"/>
     <dgm:cxn modelId="{BD713B44-F10C-4650-925C-AA939FB6F216}" type="presOf" srcId="{51673767-B749-4A45-B9BB-73DCCC91F57F}" destId="{DCC642E7-2620-4D71-A5AB-FE1C62C0B286}" srcOrd="0" destOrd="0" presId="urn:microsoft.com/office/officeart/2005/8/layout/vList5"/>
@@ -2977,12 +3136,12 @@
         <a:fontRef idx="minor"/>
       </dsp:style>
       <dsp:txBody>
-        <a:bodyPr spcFirstLastPara="0" vert="horz" wrap="square" lIns="64770" tIns="32385" rIns="64770" bIns="32385" numCol="1" spcCol="1270" anchor="ctr" anchorCtr="0">
+        <a:bodyPr spcFirstLastPara="0" vert="horz" wrap="square" lIns="53340" tIns="26670" rIns="53340" bIns="26670" numCol="1" spcCol="1270" anchor="ctr" anchorCtr="0">
           <a:noAutofit/>
         </a:bodyPr>
         <a:lstStyle/>
         <a:p>
-          <a:pPr marL="171450" lvl="1" indent="-171450" algn="l" defTabSz="755650">
+          <a:pPr marL="114300" lvl="1" indent="-114300" algn="l" defTabSz="622300">
             <a:lnSpc>
               <a:spcPct val="90000"/>
             </a:lnSpc>
@@ -2992,10 +3151,10 @@
             <a:spcAft>
               <a:spcPct val="15000"/>
             </a:spcAft>
-            <a:buChar char="•"/>
+            <a:buChar char="••"/>
           </a:pPr>
           <a:r>
-            <a:rPr lang="de-DE" sz="1700" kern="1200" dirty="0"/>
+            <a:rPr lang="de-DE" sz="1400" kern="1200" dirty="0"/>
             <a:t>Gestaltung des User Interface</a:t>
           </a:r>
         </a:p>
@@ -3059,7 +3218,7 @@
         </a:bodyPr>
         <a:lstStyle/>
         <a:p>
-          <a:pPr marL="0" lvl="0" indent="0" algn="ctr" defTabSz="800100">
+          <a:pPr lvl="0" algn="ctr" defTabSz="800100">
             <a:lnSpc>
               <a:spcPct val="90000"/>
             </a:lnSpc>
@@ -3069,7 +3228,6 @@
             <a:spcAft>
               <a:spcPct val="35000"/>
             </a:spcAft>
-            <a:buNone/>
           </a:pPr>
           <a:r>
             <a:rPr lang="de-DE" sz="1800" kern="1200" dirty="0"/>
@@ -3133,12 +3291,12 @@
         <a:fontRef idx="minor"/>
       </dsp:style>
       <dsp:txBody>
-        <a:bodyPr spcFirstLastPara="0" vert="horz" wrap="square" lIns="64770" tIns="32385" rIns="64770" bIns="32385" numCol="1" spcCol="1270" anchor="ctr" anchorCtr="0">
+        <a:bodyPr spcFirstLastPara="0" vert="horz" wrap="square" lIns="53340" tIns="26670" rIns="53340" bIns="26670" numCol="1" spcCol="1270" anchor="ctr" anchorCtr="0">
           <a:noAutofit/>
         </a:bodyPr>
         <a:lstStyle/>
         <a:p>
-          <a:pPr marL="171450" lvl="1" indent="-171450" algn="l" defTabSz="755650">
+          <a:pPr marL="114300" lvl="1" indent="-114300" algn="l" defTabSz="622300">
             <a:lnSpc>
               <a:spcPct val="90000"/>
             </a:lnSpc>
@@ -3148,10 +3306,10 @@
             <a:spcAft>
               <a:spcPct val="15000"/>
             </a:spcAft>
-            <a:buChar char="•"/>
+            <a:buChar char="••"/>
           </a:pPr>
           <a:r>
-            <a:rPr lang="de-DE" sz="1700" kern="1200" dirty="0"/>
+            <a:rPr lang="de-DE" sz="1400" kern="1200" dirty="0"/>
             <a:t>Kafka anbinden</a:t>
           </a:r>
         </a:p>
@@ -3215,7 +3373,7 @@
         </a:bodyPr>
         <a:lstStyle/>
         <a:p>
-          <a:pPr marL="0" lvl="0" indent="0" algn="ctr" defTabSz="800100">
+          <a:pPr lvl="0" algn="ctr" defTabSz="800100">
             <a:lnSpc>
               <a:spcPct val="90000"/>
             </a:lnSpc>
@@ -3225,7 +3383,6 @@
             <a:spcAft>
               <a:spcPct val="35000"/>
             </a:spcAft>
-            <a:buNone/>
           </a:pPr>
           <a:r>
             <a:rPr lang="de-DE" sz="1800" kern="1200" dirty="0"/>
@@ -3289,12 +3446,12 @@
         <a:fontRef idx="minor"/>
       </dsp:style>
       <dsp:txBody>
-        <a:bodyPr spcFirstLastPara="0" vert="horz" wrap="square" lIns="64770" tIns="32385" rIns="64770" bIns="32385" numCol="1" spcCol="1270" anchor="ctr" anchorCtr="0">
+        <a:bodyPr spcFirstLastPara="0" vert="horz" wrap="square" lIns="53340" tIns="26670" rIns="53340" bIns="26670" numCol="1" spcCol="1270" anchor="ctr" anchorCtr="0">
           <a:noAutofit/>
         </a:bodyPr>
         <a:lstStyle/>
         <a:p>
-          <a:pPr marL="171450" lvl="1" indent="-171450" algn="l" defTabSz="755650">
+          <a:pPr marL="114300" lvl="1" indent="-114300" algn="l" defTabSz="622300">
             <a:lnSpc>
               <a:spcPct val="90000"/>
             </a:lnSpc>
@@ -3304,10 +3461,10 @@
             <a:spcAft>
               <a:spcPct val="15000"/>
             </a:spcAft>
-            <a:buChar char="•"/>
+            <a:buChar char="••"/>
           </a:pPr>
           <a:r>
-            <a:rPr lang="de-DE" sz="1700" kern="1200" dirty="0"/>
+            <a:rPr lang="de-DE" sz="1400" kern="1200" dirty="0"/>
             <a:t>Spark anbinden</a:t>
           </a:r>
         </a:p>
@@ -3371,7 +3528,7 @@
         </a:bodyPr>
         <a:lstStyle/>
         <a:p>
-          <a:pPr marL="0" lvl="0" indent="0" algn="ctr" defTabSz="800100">
+          <a:pPr lvl="0" algn="ctr" defTabSz="800100">
             <a:lnSpc>
               <a:spcPct val="90000"/>
             </a:lnSpc>
@@ -3381,7 +3538,6 @@
             <a:spcAft>
               <a:spcPct val="35000"/>
             </a:spcAft>
-            <a:buNone/>
           </a:pPr>
           <a:r>
             <a:rPr lang="de-DE" sz="1800" kern="1200" dirty="0"/>
@@ -3450,12 +3606,12 @@
         <a:fontRef idx="minor"/>
       </dsp:style>
       <dsp:txBody>
-        <a:bodyPr spcFirstLastPara="0" vert="horz" wrap="square" lIns="64770" tIns="32385" rIns="64770" bIns="32385" numCol="1" spcCol="1270" anchor="ctr" anchorCtr="0">
+        <a:bodyPr spcFirstLastPara="0" vert="horz" wrap="square" lIns="53340" tIns="26670" rIns="53340" bIns="26670" numCol="1" spcCol="1270" anchor="ctr" anchorCtr="0">
           <a:noAutofit/>
         </a:bodyPr>
         <a:lstStyle/>
         <a:p>
-          <a:pPr marL="171450" lvl="1" indent="-171450" algn="l" defTabSz="755650">
+          <a:pPr marL="114300" lvl="1" indent="-114300" algn="l" defTabSz="622300">
             <a:lnSpc>
               <a:spcPct val="90000"/>
             </a:lnSpc>
@@ -3465,10 +3621,10 @@
             <a:spcAft>
               <a:spcPct val="15000"/>
             </a:spcAft>
-            <a:buChar char="•"/>
+            <a:buChar char="••"/>
           </a:pPr>
           <a:r>
-            <a:rPr lang="de-DE" sz="1700" kern="1200" dirty="0"/>
+            <a:rPr lang="de-DE" sz="1400" kern="1200" dirty="0"/>
             <a:t>Gestaltung des User Interfaces</a:t>
           </a:r>
         </a:p>
@@ -3532,7 +3688,7 @@
         </a:bodyPr>
         <a:lstStyle/>
         <a:p>
-          <a:pPr marL="0" lvl="0" indent="0" algn="ctr" defTabSz="800100">
+          <a:pPr lvl="0" algn="ctr" defTabSz="800100">
             <a:lnSpc>
               <a:spcPct val="90000"/>
             </a:lnSpc>
@@ -3542,7 +3698,6 @@
             <a:spcAft>
               <a:spcPct val="35000"/>
             </a:spcAft>
-            <a:buNone/>
           </a:pPr>
           <a:r>
             <a:rPr lang="de-DE" sz="1800" kern="1200" dirty="0"/>
@@ -3606,12 +3761,12 @@
         <a:fontRef idx="minor"/>
       </dsp:style>
       <dsp:txBody>
-        <a:bodyPr spcFirstLastPara="0" vert="horz" wrap="square" lIns="64770" tIns="32385" rIns="64770" bIns="32385" numCol="1" spcCol="1270" anchor="ctr" anchorCtr="0">
+        <a:bodyPr spcFirstLastPara="0" vert="horz" wrap="square" lIns="53340" tIns="26670" rIns="53340" bIns="26670" numCol="1" spcCol="1270" anchor="ctr" anchorCtr="0">
           <a:noAutofit/>
         </a:bodyPr>
         <a:lstStyle/>
         <a:p>
-          <a:pPr marL="171450" lvl="1" indent="-171450" algn="l" defTabSz="755650">
+          <a:pPr marL="114300" lvl="1" indent="-114300" algn="l" defTabSz="622300">
             <a:lnSpc>
               <a:spcPct val="90000"/>
             </a:lnSpc>
@@ -3621,10 +3776,10 @@
             <a:spcAft>
               <a:spcPct val="15000"/>
             </a:spcAft>
-            <a:buChar char="•"/>
+            <a:buChar char="••"/>
           </a:pPr>
           <a:r>
-            <a:rPr lang="de-DE" sz="1700" kern="1200" dirty="0"/>
+            <a:rPr lang="de-DE" sz="1400" kern="1200" dirty="0"/>
             <a:t>Kafka anbinden</a:t>
           </a:r>
         </a:p>
@@ -3688,7 +3843,7 @@
         </a:bodyPr>
         <a:lstStyle/>
         <a:p>
-          <a:pPr marL="0" lvl="0" indent="0" algn="ctr" defTabSz="800100">
+          <a:pPr lvl="0" algn="ctr" defTabSz="800100">
             <a:lnSpc>
               <a:spcPct val="90000"/>
             </a:lnSpc>
@@ -3698,7 +3853,6 @@
             <a:spcAft>
               <a:spcPct val="35000"/>
             </a:spcAft>
-            <a:buNone/>
           </a:pPr>
           <a:r>
             <a:rPr lang="de-DE" sz="1800" kern="1200" dirty="0"/>
@@ -3789,7 +3943,7 @@
             <a:spcAft>
               <a:spcPct val="15000"/>
             </a:spcAft>
-            <a:buChar char="•"/>
+            <a:buChar char="••"/>
           </a:pPr>
           <a:r>
             <a:rPr lang="de-DE" sz="1300" kern="1200" dirty="0"/>
@@ -3807,7 +3961,7 @@
             <a:spcAft>
               <a:spcPct val="15000"/>
             </a:spcAft>
-            <a:buChar char="•"/>
+            <a:buChar char="••"/>
           </a:pPr>
           <a:r>
             <a:rPr lang="de-DE" sz="1300" kern="1200" dirty="0"/>
@@ -3874,7 +4028,7 @@
         </a:bodyPr>
         <a:lstStyle/>
         <a:p>
-          <a:pPr marL="0" lvl="0" indent="0" algn="ctr" defTabSz="800100">
+          <a:pPr lvl="0" algn="ctr" defTabSz="800100">
             <a:lnSpc>
               <a:spcPct val="90000"/>
             </a:lnSpc>
@@ -3884,7 +4038,6 @@
             <a:spcAft>
               <a:spcPct val="35000"/>
             </a:spcAft>
-            <a:buNone/>
           </a:pPr>
           <a:r>
             <a:rPr lang="de-DE" sz="1800" kern="1200" dirty="0"/>
@@ -3963,7 +4116,7 @@
             <a:spcAft>
               <a:spcPct val="15000"/>
             </a:spcAft>
-            <a:buChar char="•"/>
+            <a:buChar char="••"/>
           </a:pPr>
           <a:r>
             <a:rPr lang="de-DE" sz="1300" kern="1200" dirty="0"/>
@@ -3981,7 +4134,7 @@
             <a:spcAft>
               <a:spcPct val="15000"/>
             </a:spcAft>
-            <a:buChar char="•"/>
+            <a:buChar char="••"/>
           </a:pPr>
           <a:r>
             <a:rPr lang="de-DE" sz="1300" kern="1200" dirty="0"/>
@@ -4048,7 +4201,7 @@
         </a:bodyPr>
         <a:lstStyle/>
         <a:p>
-          <a:pPr marL="0" lvl="0" indent="0" algn="ctr" defTabSz="800100">
+          <a:pPr lvl="0" algn="ctr" defTabSz="800100">
             <a:lnSpc>
               <a:spcPct val="90000"/>
             </a:lnSpc>
@@ -4058,7 +4211,6 @@
             <a:spcAft>
               <a:spcPct val="35000"/>
             </a:spcAft>
-            <a:buNone/>
           </a:pPr>
           <a:r>
             <a:rPr lang="de-DE" sz="1800" kern="1200" dirty="0"/>
@@ -4137,7 +4289,7 @@
             <a:spcAft>
               <a:spcPct val="15000"/>
             </a:spcAft>
-            <a:buChar char="•"/>
+            <a:buChar char="••"/>
           </a:pPr>
           <a:r>
             <a:rPr lang="de-DE" sz="1300" kern="1200" dirty="0"/>
@@ -4155,7 +4307,7 @@
             <a:spcAft>
               <a:spcPct val="15000"/>
             </a:spcAft>
-            <a:buChar char="•"/>
+            <a:buChar char="••"/>
           </a:pPr>
           <a:r>
             <a:rPr lang="de-DE" sz="1300" kern="1200" dirty="0"/>
@@ -4222,7 +4374,7 @@
         </a:bodyPr>
         <a:lstStyle/>
         <a:p>
-          <a:pPr marL="0" lvl="0" indent="0" algn="ctr" defTabSz="800100">
+          <a:pPr lvl="0" algn="ctr" defTabSz="800100">
             <a:lnSpc>
               <a:spcPct val="90000"/>
             </a:lnSpc>
@@ -4232,7 +4384,6 @@
             <a:spcAft>
               <a:spcPct val="35000"/>
             </a:spcAft>
-            <a:buNone/>
           </a:pPr>
           <a:r>
             <a:rPr lang="de-DE" sz="1800" kern="1200" dirty="0"/>
@@ -4311,7 +4462,7 @@
             <a:spcAft>
               <a:spcPct val="15000"/>
             </a:spcAft>
-            <a:buChar char="•"/>
+            <a:buChar char="••"/>
           </a:pPr>
           <a:r>
             <a:rPr lang="de-DE" sz="1300" kern="1200" dirty="0"/>
@@ -4329,7 +4480,7 @@
             <a:spcAft>
               <a:spcPct val="15000"/>
             </a:spcAft>
-            <a:buChar char="•"/>
+            <a:buChar char="••"/>
           </a:pPr>
           <a:r>
             <a:rPr lang="de-DE" sz="1300" kern="1200" dirty="0"/>
@@ -4396,7 +4547,7 @@
         </a:bodyPr>
         <a:lstStyle/>
         <a:p>
-          <a:pPr marL="0" lvl="0" indent="0" algn="ctr" defTabSz="800100">
+          <a:pPr lvl="0" algn="ctr" defTabSz="800100">
             <a:lnSpc>
               <a:spcPct val="90000"/>
             </a:lnSpc>
@@ -4406,7 +4557,6 @@
             <a:spcAft>
               <a:spcPct val="35000"/>
             </a:spcAft>
-            <a:buNone/>
           </a:pPr>
           <a:r>
             <a:rPr lang="de-DE" sz="1800" kern="1200" dirty="0"/>
@@ -4485,7 +4635,7 @@
             <a:spcAft>
               <a:spcPct val="15000"/>
             </a:spcAft>
-            <a:buChar char="•"/>
+            <a:buChar char="••"/>
           </a:pPr>
           <a:r>
             <a:rPr lang="de-DE" sz="1300" kern="1200" dirty="0"/>
@@ -4503,7 +4653,7 @@
             <a:spcAft>
               <a:spcPct val="15000"/>
             </a:spcAft>
-            <a:buChar char="•"/>
+            <a:buChar char="••"/>
           </a:pPr>
           <a:r>
             <a:rPr lang="de-DE" sz="1300" kern="1200" dirty="0"/>
@@ -4570,7 +4720,7 @@
         </a:bodyPr>
         <a:lstStyle/>
         <a:p>
-          <a:pPr marL="0" lvl="0" indent="0" algn="ctr" defTabSz="800100">
+          <a:pPr lvl="0" algn="ctr" defTabSz="800100">
             <a:lnSpc>
               <a:spcPct val="90000"/>
             </a:lnSpc>
@@ -4580,7 +4730,6 @@
             <a:spcAft>
               <a:spcPct val="35000"/>
             </a:spcAft>
-            <a:buNone/>
           </a:pPr>
           <a:r>
             <a:rPr lang="de-DE" sz="1800" kern="1200" dirty="0"/>
@@ -7359,7 +7508,7 @@
           <a:p>
             <a:fld id="{0567A3FE-3CB7-4A1D-9FCD-2B6F63CCDFE0}" type="datetimeFigureOut">
               <a:rPr lang="de-DE" smtClean="0"/>
-              <a:t>14.11.2016</a:t>
+              <a:t>15.11.2016</a:t>
             </a:fld>
             <a:endParaRPr lang="de-DE"/>
           </a:p>
@@ -7567,7 +7716,7 @@
           <a:p>
             <a:fld id="{0567A3FE-3CB7-4A1D-9FCD-2B6F63CCDFE0}" type="datetimeFigureOut">
               <a:rPr lang="de-DE" smtClean="0"/>
-              <a:t>14.11.2016</a:t>
+              <a:t>15.11.2016</a:t>
             </a:fld>
             <a:endParaRPr lang="de-DE"/>
           </a:p>
@@ -7825,7 +7974,7 @@
           <a:p>
             <a:fld id="{0567A3FE-3CB7-4A1D-9FCD-2B6F63CCDFE0}" type="datetimeFigureOut">
               <a:rPr lang="de-DE" smtClean="0"/>
-              <a:t>14.11.2016</a:t>
+              <a:t>15.11.2016</a:t>
             </a:fld>
             <a:endParaRPr lang="de-DE"/>
           </a:p>
@@ -7995,7 +8144,7 @@
           <a:p>
             <a:fld id="{0567A3FE-3CB7-4A1D-9FCD-2B6F63CCDFE0}" type="datetimeFigureOut">
               <a:rPr lang="de-DE" smtClean="0"/>
-              <a:t>14.11.2016</a:t>
+              <a:t>15.11.2016</a:t>
             </a:fld>
             <a:endParaRPr lang="de-DE"/>
           </a:p>
@@ -8332,7 +8481,7 @@
           <a:p>
             <a:fld id="{0567A3FE-3CB7-4A1D-9FCD-2B6F63CCDFE0}" type="datetimeFigureOut">
               <a:rPr lang="de-DE" smtClean="0"/>
-              <a:t>14.11.2016</a:t>
+              <a:t>15.11.2016</a:t>
             </a:fld>
             <a:endParaRPr lang="de-DE"/>
           </a:p>
@@ -8607,7 +8756,7 @@
           <a:p>
             <a:fld id="{0567A3FE-3CB7-4A1D-9FCD-2B6F63CCDFE0}" type="datetimeFigureOut">
               <a:rPr lang="de-DE" smtClean="0"/>
-              <a:t>14.11.2016</a:t>
+              <a:t>15.11.2016</a:t>
             </a:fld>
             <a:endParaRPr lang="de-DE"/>
           </a:p>
@@ -8990,7 +9139,7 @@
           <a:p>
             <a:fld id="{0567A3FE-3CB7-4A1D-9FCD-2B6F63CCDFE0}" type="datetimeFigureOut">
               <a:rPr lang="de-DE" smtClean="0"/>
-              <a:t>14.11.2016</a:t>
+              <a:t>15.11.2016</a:t>
             </a:fld>
             <a:endParaRPr lang="de-DE"/>
           </a:p>
@@ -9108,7 +9257,7 @@
           <a:p>
             <a:fld id="{0567A3FE-3CB7-4A1D-9FCD-2B6F63CCDFE0}" type="datetimeFigureOut">
               <a:rPr lang="de-DE" smtClean="0"/>
-              <a:t>14.11.2016</a:t>
+              <a:t>15.11.2016</a:t>
             </a:fld>
             <a:endParaRPr lang="de-DE"/>
           </a:p>
@@ -9281,7 +9430,7 @@
           <a:p>
             <a:fld id="{0567A3FE-3CB7-4A1D-9FCD-2B6F63CCDFE0}" type="datetimeFigureOut">
               <a:rPr lang="de-DE" smtClean="0"/>
-              <a:t>14.11.2016</a:t>
+              <a:t>15.11.2016</a:t>
             </a:fld>
             <a:endParaRPr lang="de-DE"/>
           </a:p>
@@ -9637,7 +9786,7 @@
           <a:p>
             <a:fld id="{0567A3FE-3CB7-4A1D-9FCD-2B6F63CCDFE0}" type="datetimeFigureOut">
               <a:rPr lang="de-DE" smtClean="0"/>
-              <a:t>14.11.2016</a:t>
+              <a:t>15.11.2016</a:t>
             </a:fld>
             <a:endParaRPr lang="de-DE"/>
           </a:p>
@@ -9985,7 +10134,7 @@
           <a:p>
             <a:fld id="{0567A3FE-3CB7-4A1D-9FCD-2B6F63CCDFE0}" type="datetimeFigureOut">
               <a:rPr lang="de-DE" smtClean="0"/>
-              <a:t>14.11.2016</a:t>
+              <a:t>15.11.2016</a:t>
             </a:fld>
             <a:endParaRPr lang="de-DE"/>
           </a:p>
@@ -10296,7 +10445,7 @@
           <a:p>
             <a:fld id="{0567A3FE-3CB7-4A1D-9FCD-2B6F63CCDFE0}" type="datetimeFigureOut">
               <a:rPr lang="de-DE" smtClean="0"/>
-              <a:t>14.11.2016</a:t>
+              <a:t>15.11.2016</a:t>
             </a:fld>
             <a:endParaRPr lang="de-DE"/>
           </a:p>
@@ -10838,13 +10987,16 @@
             <a:r>
               <a:rPr lang="de-DE" dirty="0">
                 <a:solidFill>
-                  <a:srgbClr val="FF0000"/>
+                  <a:srgbClr val="D84315"/>
                 </a:solidFill>
+                <a:latin typeface="Montserrat" panose="02000505000000020004" pitchFamily="2" charset="0"/>
               </a:rPr>
               <a:t>JA</a:t>
             </a:r>
             <a:r>
-              <a:rPr lang="de-DE" dirty="0"/>
+              <a:rPr lang="de-DE" dirty="0">
+                <a:latin typeface="Montserrat" panose="02000505000000020004" pitchFamily="2" charset="0"/>
+              </a:rPr>
               <a:t>.COM</a:t>
             </a:r>
           </a:p>
@@ -10882,6 +11034,13 @@
   <p:clrMapOvr>
     <a:masterClrMapping/>
   </p:clrMapOvr>
+  <p:timing>
+    <p:tnLst>
+      <p:par>
+        <p:cTn id="1" dur="indefinite" restart="never" nodeType="tmRoot"/>
+      </p:par>
+    </p:tnLst>
+  </p:timing>
 </p:sld>
 </file>
 
@@ -10912,7 +11071,12 @@
             <p:ph type="title"/>
           </p:nvPr>
         </p:nvSpPr>
-        <p:spPr/>
+        <p:spPr>
+          <a:xfrm>
+            <a:off x="1096963" y="286603"/>
+            <a:ext cx="10058400" cy="1450757"/>
+          </a:xfrm>
+        </p:spPr>
         <p:txBody>
           <a:bodyPr/>
           <a:lstStyle/>
@@ -10939,6 +11103,10 @@
           <a:bodyPr/>
           <a:lstStyle/>
           <a:p>
+            <a:r>
+              <a:rPr lang="de-DE" dirty="0" smtClean="0"/>
+              <a:t>Vorher</a:t>
+            </a:r>
             <a:endParaRPr lang="de-DE" dirty="0"/>
           </a:p>
         </p:txBody>
@@ -10983,7 +11151,11 @@
           <a:bodyPr/>
           <a:lstStyle/>
           <a:p>
-            <a:endParaRPr lang="de-DE"/>
+            <a:r>
+              <a:rPr lang="de-DE" dirty="0" smtClean="0"/>
+              <a:t>Nachher</a:t>
+            </a:r>
+            <a:endParaRPr lang="de-DE" dirty="0"/>
           </a:p>
         </p:txBody>
       </p:sp>
@@ -11022,6 +11194,13 @@
   <p:clrMapOvr>
     <a:masterClrMapping/>
   </p:clrMapOvr>
+  <p:timing>
+    <p:tnLst>
+      <p:par>
+        <p:cTn id="1" dur="indefinite" restart="never" nodeType="tmRoot"/>
+      </p:par>
+    </p:tnLst>
+  </p:timing>
 </p:sld>
 </file>
 
@@ -11326,10 +11505,10 @@
           <a:p>
             <a:pPr algn="ctr"/>
             <a:r>
-              <a:rPr lang="de-DE" dirty="0" err="1"/>
+              <a:rPr lang="de-DE" sz="1600" dirty="0" err="1"/>
               <a:t>mm_branch</a:t>
             </a:r>
-            <a:endParaRPr lang="de-DE" dirty="0"/>
+            <a:endParaRPr lang="de-DE" sz="1600" dirty="0"/>
           </a:p>
         </p:txBody>
       </p:sp>
@@ -11370,10 +11549,10 @@
           <a:p>
             <a:pPr algn="ctr"/>
             <a:r>
-              <a:rPr lang="de-DE" dirty="0" err="1"/>
+              <a:rPr lang="de-DE" sz="1600" dirty="0" err="1"/>
               <a:t>cw_branch</a:t>
             </a:r>
-            <a:endParaRPr lang="de-DE" dirty="0"/>
+            <a:endParaRPr lang="de-DE" sz="1600" dirty="0"/>
           </a:p>
         </p:txBody>
       </p:sp>
@@ -11562,7 +11741,7 @@
         <p:spPr>
           <a:xfrm>
             <a:off x="5675875" y="2052083"/>
-            <a:ext cx="901209" cy="369332"/>
+            <a:ext cx="1002197" cy="369332"/>
           </a:xfrm>
           <a:prstGeom prst="rect">
             <a:avLst/>
@@ -11576,13 +11755,10 @@
           <a:lstStyle/>
           <a:p>
             <a:r>
-              <a:rPr lang="de-DE" dirty="0" err="1"/>
-              <a:t>Git</a:t>
+              <a:rPr lang="de-DE" dirty="0" err="1" smtClean="0"/>
+              <a:t>GitHub</a:t>
             </a:r>
-            <a:r>
-              <a:rPr lang="de-DE" dirty="0"/>
-              <a:t> Hub</a:t>
-            </a:r>
+            <a:endParaRPr lang="de-DE" dirty="0"/>
           </a:p>
         </p:txBody>
       </p:sp>
@@ -11596,6 +11772,13 @@
   <p:clrMapOvr>
     <a:masterClrMapping/>
   </p:clrMapOvr>
+  <p:timing>
+    <p:tnLst>
+      <p:par>
+        <p:cTn id="1" dur="indefinite" restart="never" nodeType="tmRoot"/>
+      </p:par>
+    </p:tnLst>
+  </p:timing>
 </p:sld>
 </file>
 
@@ -11674,6 +11857,13 @@
   <p:clrMapOvr>
     <a:masterClrMapping/>
   </p:clrMapOvr>
+  <p:timing>
+    <p:tnLst>
+      <p:par>
+        <p:cTn id="1" dur="indefinite" restart="never" nodeType="tmRoot"/>
+      </p:par>
+    </p:tnLst>
+  </p:timing>
 </p:sld>
 </file>
 
@@ -11948,6 +12138,13 @@
   <p:clrMapOvr>
     <a:masterClrMapping/>
   </p:clrMapOvr>
+  <p:timing>
+    <p:tnLst>
+      <p:par>
+        <p:cTn id="1" dur="indefinite" restart="never" nodeType="tmRoot"/>
+      </p:par>
+    </p:tnLst>
+  </p:timing>
 </p:sld>
 </file>
 
@@ -12008,10 +12205,25 @@
             <a:pPr marL="0" indent="0">
               <a:buNone/>
             </a:pPr>
+            <a:endParaRPr lang="de-DE" dirty="0" smtClean="0"/>
+          </a:p>
+          <a:p>
+            <a:pPr marL="0" indent="0">
+              <a:buNone/>
+            </a:pPr>
+            <a:r>
+              <a:rPr lang="de-DE" dirty="0" smtClean="0"/>
+              <a:t>Spark verstehen zum </a:t>
+            </a:r>
             <a:r>
               <a:rPr lang="de-DE" dirty="0"/>
-              <a:t>Spark verstehen und zum Aufbereiten der Daten einzusetzen.</a:t>
+              <a:t>Aufbereiten der </a:t>
             </a:r>
+            <a:r>
+              <a:rPr lang="de-DE" dirty="0" smtClean="0"/>
+              <a:t>Daten</a:t>
+            </a:r>
+            <a:endParaRPr lang="de-DE" dirty="0"/>
           </a:p>
           <a:p>
             <a:pPr marL="0" indent="0">
@@ -12019,17 +12231,48 @@
             </a:pPr>
             <a:r>
               <a:rPr lang="de-DE" dirty="0"/>
-              <a:t>	Ergebnis: Spark zum Starten des Projekts verwenden.</a:t>
+              <a:t>	Ergebnis: </a:t>
             </a:r>
+            <a:r>
+              <a:rPr lang="de-DE" dirty="0" smtClean="0"/>
+              <a:t>Spark analysiert nicht.</a:t>
+            </a:r>
+            <a:endParaRPr lang="de-DE" dirty="0"/>
+          </a:p>
+          <a:p>
+            <a:pPr marL="0" indent="0">
+              <a:buNone/>
+            </a:pPr>
+            <a:endParaRPr lang="de-DE" dirty="0" smtClean="0"/>
           </a:p>
           <a:p>
             <a:pPr marL="0" indent="0">
               <a:buNone/>
             </a:pPr>
             <a:r>
+              <a:rPr lang="de-DE" dirty="0" smtClean="0"/>
+              <a:t>Kleine Routing-Probleme </a:t>
+            </a:r>
+            <a:r>
               <a:rPr lang="de-DE" dirty="0"/>
-              <a:t>Routing-Probleme im UI.</a:t>
+              <a:t>im UI</a:t>
             </a:r>
+            <a:r>
+              <a:rPr lang="de-DE" dirty="0" smtClean="0"/>
+              <a:t>. </a:t>
+            </a:r>
+            <a:r>
+              <a:rPr lang="de-DE" dirty="0"/>
+              <a:t/>
+            </a:r>
+            <a:br>
+              <a:rPr lang="de-DE" dirty="0"/>
+            </a:br>
+            <a:r>
+              <a:rPr lang="de-DE" dirty="0" smtClean="0"/>
+              <a:t>	Products/ Customer können nicht direkt aufgerufen werden</a:t>
+            </a:r>
+            <a:endParaRPr lang="de-DE" dirty="0"/>
           </a:p>
           <a:p>
             <a:pPr marL="0" indent="0">
@@ -12041,15 +12284,25 @@
             <a:pPr marL="0" indent="0">
               <a:buNone/>
             </a:pPr>
-            <a:endParaRPr lang="de-DE" dirty="0"/>
-          </a:p>
-          <a:p>
-            <a:pPr marL="0" indent="0">
-              <a:buNone/>
-            </a:pPr>
             <a:r>
-              <a:rPr lang="de-DE" dirty="0"/>
-              <a:t>Ansonsten keine größeren Probleme </a:t>
+              <a:rPr lang="de-DE" dirty="0" smtClean="0"/>
+              <a:t>Performance Probleme die App </a:t>
+            </a:r>
+            <a:r>
+              <a:rPr lang="de-DE" smtClean="0"/>
+              <a:t>zum </a:t>
+            </a:r>
+            <a:r>
+              <a:rPr lang="de-DE"/>
+              <a:t>A</a:t>
+            </a:r>
+            <a:r>
+              <a:rPr lang="de-DE" smtClean="0"/>
+              <a:t>bstürzen </a:t>
+            </a:r>
+            <a:r>
+              <a:rPr lang="de-DE" dirty="0" smtClean="0"/>
+              <a:t>bringt</a:t>
             </a:r>
           </a:p>
         </p:txBody>
@@ -12064,6 +12317,13 @@
   <p:clrMapOvr>
     <a:masterClrMapping/>
   </p:clrMapOvr>
+  <p:timing>
+    <p:tnLst>
+      <p:par>
+        <p:cTn id="1" dur="indefinite" restart="never" nodeType="tmRoot"/>
+      </p:par>
+    </p:tnLst>
+  </p:timing>
 </p:sld>
 </file>
 
@@ -12141,7 +12401,7 @@
 <file path=ppt/theme/theme1.xml><?xml version="1.0" encoding="utf-8"?>
 <a:theme xmlns:a="http://schemas.openxmlformats.org/drawingml/2006/main" name="Rückblick">
   <a:themeElements>
-    <a:clrScheme name="Benutzerdefiniert 3">
+    <a:clrScheme name="Benutzerdefiniert 2">
       <a:dk1>
         <a:sysClr val="windowText" lastClr="000000"/>
       </a:dk1>
@@ -12155,10 +12415,10 @@
         <a:srgbClr val="FFFFFF"/>
       </a:lt2>
       <a:accent1>
-        <a:srgbClr val="FF0000"/>
+        <a:srgbClr val="D84315"/>
       </a:accent1>
       <a:accent2>
-        <a:srgbClr val="FF0000"/>
+        <a:srgbClr val="D84315"/>
       </a:accent2>
       <a:accent3>
         <a:srgbClr val="FFFFFF"/>
@@ -12179,76 +12439,16 @@
         <a:srgbClr val="B2B2B2"/>
       </a:folHlink>
     </a:clrScheme>
-    <a:fontScheme name="Rückblick">
+    <a:fontScheme name="Montserrat">
       <a:majorFont>
-        <a:latin typeface="Calibri Light" panose="020F0302020204030204"/>
+        <a:latin typeface="Montserrat"/>
         <a:ea typeface=""/>
         <a:cs typeface=""/>
-        <a:font script="Jpan" typeface="ＭＳ Ｐゴシック"/>
-        <a:font script="Hang" typeface="맑은 고딕"/>
-        <a:font script="Hans" typeface="宋体"/>
-        <a:font script="Hant" typeface="新細明體"/>
-        <a:font script="Arab" typeface="Times New Roman"/>
-        <a:font script="Hebr" typeface="Times New Roman"/>
-        <a:font script="Thai" typeface="Angsana New"/>
-        <a:font script="Ethi" typeface="Nyala"/>
-        <a:font script="Beng" typeface="Vrinda"/>
-        <a:font script="Gujr" typeface="Shruti"/>
-        <a:font script="Khmr" typeface="MoolBoran"/>
-        <a:font script="Knda" typeface="Tunga"/>
-        <a:font script="Guru" typeface="Raavi"/>
-        <a:font script="Cans" typeface="Euphemia"/>
-        <a:font script="Cher" typeface="Plantagenet Cherokee"/>
-        <a:font script="Yiii" typeface="Microsoft Yi Baiti"/>
-        <a:font script="Tibt" typeface="Microsoft Himalaya"/>
-        <a:font script="Thaa" typeface="MV Boli"/>
-        <a:font script="Deva" typeface="Mangal"/>
-        <a:font script="Telu" typeface="Gautami"/>
-        <a:font script="Taml" typeface="Latha"/>
-        <a:font script="Syrc" typeface="Estrangelo Edessa"/>
-        <a:font script="Orya" typeface="Kalinga"/>
-        <a:font script="Mlym" typeface="Kartika"/>
-        <a:font script="Laoo" typeface="DokChampa"/>
-        <a:font script="Sinh" typeface="Iskoola Pota"/>
-        <a:font script="Mong" typeface="Mongolian Baiti"/>
-        <a:font script="Viet" typeface="Times New Roman"/>
-        <a:font script="Uigh" typeface="Microsoft Uighur"/>
-        <a:font script="Geor" typeface="Sylfaen"/>
       </a:majorFont>
       <a:minorFont>
-        <a:latin typeface="Calibri" panose="020F0502020204030204"/>
+        <a:latin typeface="Montserrat"/>
         <a:ea typeface=""/>
         <a:cs typeface=""/>
-        <a:font script="Jpan" typeface="ＭＳ Ｐゴシック"/>
-        <a:font script="Hang" typeface="맑은 고딕"/>
-        <a:font script="Hans" typeface="宋体"/>
-        <a:font script="Hant" typeface="新細明體"/>
-        <a:font script="Arab" typeface="Arial"/>
-        <a:font script="Hebr" typeface="Arial"/>
-        <a:font script="Thai" typeface="Cordia New"/>
-        <a:font script="Ethi" typeface="Nyala"/>
-        <a:font script="Beng" typeface="Vrinda"/>
-        <a:font script="Gujr" typeface="Shruti"/>
-        <a:font script="Khmr" typeface="DaunPenh"/>
-        <a:font script="Knda" typeface="Tunga"/>
-        <a:font script="Guru" typeface="Raavi"/>
-        <a:font script="Cans" typeface="Euphemia"/>
-        <a:font script="Cher" typeface="Plantagenet Cherokee"/>
-        <a:font script="Yiii" typeface="Microsoft Yi Baiti"/>
-        <a:font script="Tibt" typeface="Microsoft Himalaya"/>
-        <a:font script="Thaa" typeface="MV Boli"/>
-        <a:font script="Deva" typeface="Mangal"/>
-        <a:font script="Telu" typeface="Gautami"/>
-        <a:font script="Taml" typeface="Latha"/>
-        <a:font script="Syrc" typeface="Estrangelo Edessa"/>
-        <a:font script="Orya" typeface="Kalinga"/>
-        <a:font script="Mlym" typeface="Kartika"/>
-        <a:font script="Laoo" typeface="DokChampa"/>
-        <a:font script="Sinh" typeface="Iskoola Pota"/>
-        <a:font script="Mong" typeface="Mongolian Baiti"/>
-        <a:font script="Viet" typeface="Arial"/>
-        <a:font script="Uigh" typeface="Microsoft Uighur"/>
-        <a:font script="Geor" typeface="Sylfaen"/>
       </a:minorFont>
     </a:fontScheme>
     <a:fmtScheme name="Rückblick">

--- a/Portfolio/Session3.pptx
+++ b/Portfolio/Session3.pptx
@@ -12286,23 +12286,15 @@
             </a:pPr>
             <a:r>
               <a:rPr lang="de-DE" dirty="0" smtClean="0"/>
-              <a:t>Performance Probleme die App </a:t>
+              <a:t>Performance Probleme die App zum </a:t>
             </a:r>
             <a:r>
-              <a:rPr lang="de-DE" smtClean="0"/>
-              <a:t>zum </a:t>
-            </a:r>
-            <a:r>
-              <a:rPr lang="de-DE"/>
+              <a:rPr lang="de-DE" dirty="0"/>
               <a:t>A</a:t>
             </a:r>
             <a:r>
-              <a:rPr lang="de-DE" smtClean="0"/>
-              <a:t>bstürzen </a:t>
-            </a:r>
-            <a:r>
               <a:rPr lang="de-DE" dirty="0" smtClean="0"/>
-              <a:t>bringt</a:t>
+              <a:t>bstürzen bringt</a:t>
             </a:r>
           </a:p>
         </p:txBody>
